--- a/alexa_summary/alexa.pptx
+++ b/alexa_summary/alexa.pptx
@@ -16,8 +16,7 @@
     <p:sldId id="265" r:id="rId10"/>
     <p:sldId id="266" r:id="rId11"/>
     <p:sldId id="267" r:id="rId12"/>
-    <p:sldId id="268" r:id="rId13"/>
-    <p:sldId id="269" r:id="rId14"/>
+    <p:sldId id="269" r:id="rId13"/>
   </p:sldIdLst>
   <p:sldSz cx="12192000" cy="6858000"/>
   <p:notesSz cx="6858000" cy="9144000"/>
@@ -7318,7 +7317,10 @@
     <p:bg>
       <p:bgPr>
         <a:solidFill>
-          <a:schemeClr val="bg1"/>
+          <a:schemeClr val="bg1">
+            <a:tint val="95000"/>
+            <a:satMod val="170000"/>
+          </a:schemeClr>
         </a:solidFill>
         <a:effectLst/>
       </p:bgPr>
@@ -7339,10 +7341,10 @@
       </p:grpSpPr>
       <p:sp>
         <p:nvSpPr>
-          <p:cNvPr id="24" name="Rectangle 23">
-            <a:extLst>
-              <a:ext uri="{FF2B5EF4-FFF2-40B4-BE49-F238E27FC236}">
-                <a16:creationId xmlns:a16="http://schemas.microsoft.com/office/drawing/2014/main" id="{823AC064-BC96-4F32-8AE1-B2FD38754823}"/>
+          <p:cNvPr id="24" name="Freeform 49">
+            <a:extLst>
+              <a:ext uri="{FF2B5EF4-FFF2-40B4-BE49-F238E27FC236}">
+                <a16:creationId xmlns:a16="http://schemas.microsoft.com/office/drawing/2014/main" id="{EF9B8DF2-C3F5-49A2-94D2-F7B65A0F1F15}"/>
               </a:ext>
             </a:extLst>
           </p:cNvPr>
@@ -7357,27 +7359,128 @@
             </p:extLst>
           </p:nvPr>
         </p:nvSpPr>
-        <p:spPr bwMode="ltGray">
-          <a:xfrm>
-            <a:off x="378068" y="4633546"/>
-            <a:ext cx="11438793" cy="1844256"/>
+        <p:spPr>
+          <a:xfrm flipH="1">
+            <a:off x="6713914" y="581159"/>
+            <a:ext cx="5478085" cy="6276841"/>
           </a:xfrm>
-          <a:prstGeom prst="rect">
+          <a:custGeom>
             <a:avLst/>
-          </a:prstGeom>
+            <a:gdLst>
+              <a:gd name="connsiteX0" fmla="*/ 2178155 w 5478085"/>
+              <a:gd name="connsiteY0" fmla="*/ 0 h 6276841"/>
+              <a:gd name="connsiteX1" fmla="*/ 5478085 w 5478085"/>
+              <a:gd name="connsiteY1" fmla="*/ 3299930 h 6276841"/>
+              <a:gd name="connsiteX2" fmla="*/ 3751098 w 5478085"/>
+              <a:gd name="connsiteY2" fmla="*/ 6201577 h 6276841"/>
+              <a:gd name="connsiteX3" fmla="*/ 3594858 w 5478085"/>
+              <a:gd name="connsiteY3" fmla="*/ 6276841 h 6276841"/>
+              <a:gd name="connsiteX4" fmla="*/ 761453 w 5478085"/>
+              <a:gd name="connsiteY4" fmla="*/ 6276841 h 6276841"/>
+              <a:gd name="connsiteX5" fmla="*/ 605213 w 5478085"/>
+              <a:gd name="connsiteY5" fmla="*/ 6201577 h 6276841"/>
+              <a:gd name="connsiteX6" fmla="*/ 79093 w 5478085"/>
+              <a:gd name="connsiteY6" fmla="*/ 5846317 h 6276841"/>
+              <a:gd name="connsiteX7" fmla="*/ 0 w 5478085"/>
+              <a:gd name="connsiteY7" fmla="*/ 5774432 h 6276841"/>
+              <a:gd name="connsiteX8" fmla="*/ 0 w 5478085"/>
+              <a:gd name="connsiteY8" fmla="*/ 825429 h 6276841"/>
+              <a:gd name="connsiteX9" fmla="*/ 79093 w 5478085"/>
+              <a:gd name="connsiteY9" fmla="*/ 753544 h 6276841"/>
+              <a:gd name="connsiteX10" fmla="*/ 2178155 w 5478085"/>
+              <a:gd name="connsiteY10" fmla="*/ 0 h 6276841"/>
+            </a:gdLst>
+            <a:ahLst/>
+            <a:cxnLst>
+              <a:cxn ang="0">
+                <a:pos x="connsiteX0" y="connsiteY0"/>
+              </a:cxn>
+              <a:cxn ang="0">
+                <a:pos x="connsiteX1" y="connsiteY1"/>
+              </a:cxn>
+              <a:cxn ang="0">
+                <a:pos x="connsiteX2" y="connsiteY2"/>
+              </a:cxn>
+              <a:cxn ang="0">
+                <a:pos x="connsiteX3" y="connsiteY3"/>
+              </a:cxn>
+              <a:cxn ang="0">
+                <a:pos x="connsiteX4" y="connsiteY4"/>
+              </a:cxn>
+              <a:cxn ang="0">
+                <a:pos x="connsiteX5" y="connsiteY5"/>
+              </a:cxn>
+              <a:cxn ang="0">
+                <a:pos x="connsiteX6" y="connsiteY6"/>
+              </a:cxn>
+              <a:cxn ang="0">
+                <a:pos x="connsiteX7" y="connsiteY7"/>
+              </a:cxn>
+              <a:cxn ang="0">
+                <a:pos x="connsiteX8" y="connsiteY8"/>
+              </a:cxn>
+              <a:cxn ang="0">
+                <a:pos x="connsiteX9" y="connsiteY9"/>
+              </a:cxn>
+              <a:cxn ang="0">
+                <a:pos x="connsiteX10" y="connsiteY10"/>
+              </a:cxn>
+            </a:cxnLst>
+            <a:rect l="l" t="t" r="r" b="b"/>
+            <a:pathLst>
+              <a:path w="5478085" h="6276841">
+                <a:moveTo>
+                  <a:pt x="2178155" y="0"/>
+                </a:moveTo>
+                <a:cubicBezTo>
+                  <a:pt x="4000656" y="0"/>
+                  <a:pt x="5478085" y="1477429"/>
+                  <a:pt x="5478085" y="3299930"/>
+                </a:cubicBezTo>
+                <a:cubicBezTo>
+                  <a:pt x="5478085" y="4552900"/>
+                  <a:pt x="4779769" y="5642769"/>
+                  <a:pt x="3751098" y="6201577"/>
+                </a:cubicBezTo>
+                <a:lnTo>
+                  <a:pt x="3594858" y="6276841"/>
+                </a:lnTo>
+                <a:lnTo>
+                  <a:pt x="761453" y="6276841"/>
+                </a:lnTo>
+                <a:lnTo>
+                  <a:pt x="605213" y="6201577"/>
+                </a:lnTo>
+                <a:cubicBezTo>
+                  <a:pt x="418182" y="6099975"/>
+                  <a:pt x="242071" y="5980818"/>
+                  <a:pt x="79093" y="5846317"/>
+                </a:cubicBezTo>
+                <a:lnTo>
+                  <a:pt x="0" y="5774432"/>
+                </a:lnTo>
+                <a:lnTo>
+                  <a:pt x="0" y="825429"/>
+                </a:lnTo>
+                <a:lnTo>
+                  <a:pt x="79093" y="753544"/>
+                </a:lnTo>
+                <a:cubicBezTo>
+                  <a:pt x="649516" y="282789"/>
+                  <a:pt x="1380811" y="0"/>
+                  <a:pt x="2178155" y="0"/>
+                </a:cubicBezTo>
+                <a:close/>
+              </a:path>
+            </a:pathLst>
+          </a:custGeom>
           <a:solidFill>
-            <a:schemeClr val="tx1">
-              <a:lumMod val="75000"/>
-              <a:lumOff val="25000"/>
-            </a:schemeClr>
+            <a:srgbClr val="FFFFFF">
+              <a:alpha val="80000"/>
+            </a:srgbClr>
           </a:solidFill>
-          <a:ln w="127000" cap="sq" cmpd="thinThick">
-            <a:solidFill>
-              <a:schemeClr val="tx1">
-                <a:lumMod val="75000"/>
-                <a:lumOff val="25000"/>
-              </a:schemeClr>
-            </a:solidFill>
+          <a:ln w="31750">
+            <a:noFill/>
           </a:ln>
         </p:spPr>
         <p:style>
@@ -7397,7 +7500,9 @@
           </a:fontRef>
         </p:style>
         <p:txBody>
-          <a:bodyPr rtlCol="0" anchor="ctr"/>
+          <a:bodyPr wrap="square" rtlCol="0" anchor="ctr">
+            <a:noAutofit/>
+          </a:bodyPr>
           <a:lstStyle/>
           <a:p>
             <a:pPr marL="0" marR="0" lvl="0" indent="0" algn="ctr" defTabSz="914400" rtl="0" eaLnBrk="1" fontAlgn="auto" latinLnBrk="0" hangingPunct="1">
@@ -7434,177 +7539,12 @@
           </a:p>
         </p:txBody>
       </p:sp>
-      <p:cxnSp>
-        <p:nvCxnSpPr>
-          <p:cNvPr id="26" name="Straight Connector 25">
-            <a:extLst>
-              <a:ext uri="{FF2B5EF4-FFF2-40B4-BE49-F238E27FC236}">
-                <a16:creationId xmlns:a16="http://schemas.microsoft.com/office/drawing/2014/main" id="{7E7C77BC-7138-40B1-A15B-20F57A494629}"/>
-              </a:ext>
-            </a:extLst>
-          </p:cNvPr>
-          <p:cNvCxnSpPr>
-            <a:cxnSpLocks noGrp="1" noRot="1" noChangeAspect="1" noMove="1" noResize="1" noEditPoints="1" noAdjustHandles="1" noChangeArrowheads="1" noChangeShapeType="1"/>
-          </p:cNvCxnSpPr>
-          <p:nvPr>
-            <p:extLst>
-              <p:ext uri="{386F3935-93C4-4BCD-93E2-E3B085C9AB24}">
-                <p16:designElem xmlns:p16="http://schemas.microsoft.com/office/powerpoint/2015/main" val="1"/>
-              </p:ext>
-            </p:extLst>
-          </p:nvPr>
-        </p:nvCxnSpPr>
-        <p:spPr>
-          <a:xfrm>
-            <a:off x="2209800" y="5738691"/>
-            <a:ext cx="7772400" cy="0"/>
-          </a:xfrm>
-          <a:prstGeom prst="line">
-            <a:avLst/>
-          </a:prstGeom>
-          <a:ln w="22225">
-            <a:solidFill>
-              <a:schemeClr val="bg1">
-                <a:lumMod val="85000"/>
-              </a:schemeClr>
-            </a:solidFill>
-          </a:ln>
-        </p:spPr>
-        <p:style>
-          <a:lnRef idx="1">
-            <a:schemeClr val="accent1"/>
-          </a:lnRef>
-          <a:fillRef idx="0">
-            <a:schemeClr val="accent1"/>
-          </a:fillRef>
-          <a:effectRef idx="0">
-            <a:schemeClr val="accent1"/>
-          </a:effectRef>
-          <a:fontRef idx="minor">
-            <a:schemeClr val="tx1"/>
-          </a:fontRef>
-        </p:style>
-      </p:cxnSp>
-      <p:pic>
-        <p:nvPicPr>
-          <p:cNvPr id="19" name="Content Placeholder 4">
-            <a:extLst>
-              <a:ext uri="{FF2B5EF4-FFF2-40B4-BE49-F238E27FC236}">
-                <a16:creationId xmlns:a16="http://schemas.microsoft.com/office/drawing/2014/main" id="{CC467F53-E54F-8143-AE47-A530F558E471}"/>
-              </a:ext>
-            </a:extLst>
-          </p:cNvPr>
-          <p:cNvPicPr>
-            <a:picLocks noChangeAspect="1"/>
-          </p:cNvPicPr>
-          <p:nvPr/>
-        </p:nvPicPr>
-        <p:blipFill>
-          <a:blip r:embed="rId2"/>
-          <a:stretch>
-            <a:fillRect/>
-          </a:stretch>
-        </p:blipFill>
-        <p:spPr>
-          <a:xfrm>
-            <a:off x="1657265" y="307731"/>
-            <a:ext cx="8822371" cy="3997637"/>
-          </a:xfrm>
-          <a:prstGeom prst="rect">
-            <a:avLst/>
-          </a:prstGeom>
-        </p:spPr>
-      </p:pic>
       <p:sp>
         <p:nvSpPr>
-          <p:cNvPr id="2" name="Title 1">
-            <a:extLst>
-              <a:ext uri="{FF2B5EF4-FFF2-40B4-BE49-F238E27FC236}">
-                <a16:creationId xmlns:a16="http://schemas.microsoft.com/office/drawing/2014/main" id="{66290241-E05B-0347-9AF1-182937255947}"/>
-              </a:ext>
-            </a:extLst>
-          </p:cNvPr>
-          <p:cNvSpPr>
-            <a:spLocks noGrp="1"/>
-          </p:cNvSpPr>
-          <p:nvPr>
-            <p:ph type="title"/>
-          </p:nvPr>
-        </p:nvSpPr>
-        <p:spPr>
-          <a:xfrm>
-            <a:off x="527538" y="4756638"/>
-            <a:ext cx="11139854" cy="930447"/>
-          </a:xfrm>
-        </p:spPr>
-        <p:txBody>
-          <a:bodyPr vert="horz" lIns="91440" tIns="45720" rIns="91440" bIns="45720" rtlCol="0" anchor="b">
-            <a:normAutofit/>
-          </a:bodyPr>
-          <a:lstStyle/>
-          <a:p>
-            <a:pPr algn="ctr"/>
-            <a:r>
-              <a:rPr lang="en-US" sz="5400" kern="1200" dirty="0">
-                <a:solidFill>
-                  <a:schemeClr val="bg1"/>
-                </a:solidFill>
-                <a:latin typeface="+mj-lt"/>
-                <a:ea typeface="+mj-ea"/>
-                <a:cs typeface="+mj-cs"/>
-              </a:rPr>
-              <a:t>Thank you.</a:t>
-            </a:r>
-          </a:p>
-        </p:txBody>
-      </p:sp>
-    </p:spTree>
-    <p:extLst>
-      <p:ext uri="{BB962C8B-B14F-4D97-AF65-F5344CB8AC3E}">
-        <p14:creationId xmlns:p14="http://schemas.microsoft.com/office/powerpoint/2010/main" val="1701656788"/>
-      </p:ext>
-    </p:extLst>
-  </p:cSld>
-  <p:clrMapOvr>
-    <a:overrideClrMapping bg1="lt1" tx1="dk1" bg2="lt2" tx2="dk2" accent1="accent1" accent2="accent2" accent3="accent3" accent4="accent4" accent5="accent5" accent6="accent6" hlink="hlink" folHlink="folHlink"/>
-  </p:clrMapOvr>
-</p:sld>
-</file>
-
-<file path=ppt/slides/slide13.xml><?xml version="1.0" encoding="utf-8"?>
-<p:sld xmlns:a="http://schemas.openxmlformats.org/drawingml/2006/main" xmlns:r="http://schemas.openxmlformats.org/officeDocument/2006/relationships" xmlns:p="http://schemas.openxmlformats.org/presentationml/2006/main">
-  <p:cSld>
-    <p:bg>
-      <p:bgPr>
-        <a:solidFill>
-          <a:schemeClr val="bg1">
-            <a:tint val="95000"/>
-            <a:satMod val="170000"/>
-          </a:schemeClr>
-        </a:solidFill>
-        <a:effectLst/>
-      </p:bgPr>
-    </p:bg>
-    <p:spTree>
-      <p:nvGrpSpPr>
-        <p:cNvPr id="1" name=""/>
-        <p:cNvGrpSpPr/>
-        <p:nvPr/>
-      </p:nvGrpSpPr>
-      <p:grpSpPr>
-        <a:xfrm>
-          <a:off x="0" y="0"/>
-          <a:ext cx="0" cy="0"/>
-          <a:chOff x="0" y="0"/>
-          <a:chExt cx="0" cy="0"/>
-        </a:xfrm>
-      </p:grpSpPr>
-      <p:sp>
-        <p:nvSpPr>
-          <p:cNvPr id="17" name="Freeform: Shape 16">
-            <a:extLst>
-              <a:ext uri="{FF2B5EF4-FFF2-40B4-BE49-F238E27FC236}">
-                <a16:creationId xmlns:a16="http://schemas.microsoft.com/office/drawing/2014/main" id="{E862BE82-D00D-42C1-BF16-93AA37870C32}"/>
+          <p:cNvPr id="26" name="Freeform: Shape 25">
+            <a:extLst>
+              <a:ext uri="{FF2B5EF4-FFF2-40B4-BE49-F238E27FC236}">
+                <a16:creationId xmlns:a16="http://schemas.microsoft.com/office/drawing/2014/main" id="{4330B6AC-E6AB-45E4-A303-C8DE90EB2AAC}"/>
               </a:ext>
             </a:extLst>
           </p:cNvPr>
@@ -7621,26 +7561,34 @@
         </p:nvSpPr>
         <p:spPr>
           <a:xfrm>
-            <a:off x="0" y="-2008"/>
-            <a:ext cx="5609220" cy="5840278"/>
+            <a:off x="6893318" y="760562"/>
+            <a:ext cx="5298683" cy="6097438"/>
           </a:xfrm>
           <a:custGeom>
             <a:avLst/>
             <a:gdLst>
-              <a:gd name="connsiteX0" fmla="*/ 0 w 5609220"/>
-              <a:gd name="connsiteY0" fmla="*/ 0 h 5840278"/>
-              <a:gd name="connsiteX1" fmla="*/ 4637091 w 5609220"/>
-              <a:gd name="connsiteY1" fmla="*/ 0 h 5840278"/>
-              <a:gd name="connsiteX2" fmla="*/ 4822569 w 5609220"/>
-              <a:gd name="connsiteY2" fmla="*/ 204077 h 5840278"/>
-              <a:gd name="connsiteX3" fmla="*/ 5609220 w 5609220"/>
-              <a:gd name="connsiteY3" fmla="*/ 2395363 h 5840278"/>
-              <a:gd name="connsiteX4" fmla="*/ 2164305 w 5609220"/>
-              <a:gd name="connsiteY4" fmla="*/ 5840278 h 5840278"/>
-              <a:gd name="connsiteX5" fmla="*/ 238220 w 5609220"/>
-              <a:gd name="connsiteY5" fmla="*/ 5251941 h 5840278"/>
-              <a:gd name="connsiteX6" fmla="*/ 0 w 5609220"/>
-              <a:gd name="connsiteY6" fmla="*/ 5073803 h 5840278"/>
+              <a:gd name="connsiteX0" fmla="*/ 3120528 w 5298683"/>
+              <a:gd name="connsiteY0" fmla="*/ 0 h 6097438"/>
+              <a:gd name="connsiteX1" fmla="*/ 5105473 w 5298683"/>
+              <a:gd name="connsiteY1" fmla="*/ 712577 h 6097438"/>
+              <a:gd name="connsiteX2" fmla="*/ 5298683 w 5298683"/>
+              <a:gd name="connsiteY2" fmla="*/ 888178 h 6097438"/>
+              <a:gd name="connsiteX3" fmla="*/ 5298683 w 5298683"/>
+              <a:gd name="connsiteY3" fmla="*/ 5352876 h 6097438"/>
+              <a:gd name="connsiteX4" fmla="*/ 5105473 w 5298683"/>
+              <a:gd name="connsiteY4" fmla="*/ 5528477 h 6097438"/>
+              <a:gd name="connsiteX5" fmla="*/ 4335177 w 5298683"/>
+              <a:gd name="connsiteY5" fmla="*/ 5995828 h 6097438"/>
+              <a:gd name="connsiteX6" fmla="*/ 4057556 w 5298683"/>
+              <a:gd name="connsiteY6" fmla="*/ 6097438 h 6097438"/>
+              <a:gd name="connsiteX7" fmla="*/ 2183499 w 5298683"/>
+              <a:gd name="connsiteY7" fmla="*/ 6097438 h 6097438"/>
+              <a:gd name="connsiteX8" fmla="*/ 1905878 w 5298683"/>
+              <a:gd name="connsiteY8" fmla="*/ 5995828 h 6097438"/>
+              <a:gd name="connsiteX9" fmla="*/ 0 w 5298683"/>
+              <a:gd name="connsiteY9" fmla="*/ 3120527 h 6097438"/>
+              <a:gd name="connsiteX10" fmla="*/ 3120528 w 5298683"/>
+              <a:gd name="connsiteY10" fmla="*/ 0 h 6097438"/>
             </a:gdLst>
             <a:ahLst/>
             <a:cxnLst>
@@ -7665,45 +7613,69 @@
               <a:cxn ang="0">
                 <a:pos x="connsiteX6" y="connsiteY6"/>
               </a:cxn>
+              <a:cxn ang="0">
+                <a:pos x="connsiteX7" y="connsiteY7"/>
+              </a:cxn>
+              <a:cxn ang="0">
+                <a:pos x="connsiteX8" y="connsiteY8"/>
+              </a:cxn>
+              <a:cxn ang="0">
+                <a:pos x="connsiteX9" y="connsiteY9"/>
+              </a:cxn>
+              <a:cxn ang="0">
+                <a:pos x="connsiteX10" y="connsiteY10"/>
+              </a:cxn>
             </a:cxnLst>
             <a:rect l="l" t="t" r="r" b="b"/>
             <a:pathLst>
-              <a:path w="5609220" h="5840278">
+              <a:path w="5298683" h="6097438">
                 <a:moveTo>
-                  <a:pt x="0" y="0"/>
+                  <a:pt x="3120528" y="0"/>
                 </a:moveTo>
+                <a:cubicBezTo>
+                  <a:pt x="3874524" y="0"/>
+                  <a:pt x="4566062" y="267415"/>
+                  <a:pt x="5105473" y="712577"/>
+                </a:cubicBezTo>
                 <a:lnTo>
-                  <a:pt x="4637091" y="0"/>
+                  <a:pt x="5298683" y="888178"/>
                 </a:lnTo>
                 <a:lnTo>
-                  <a:pt x="4822569" y="204077"/>
+                  <a:pt x="5298683" y="5352876"/>
+                </a:lnTo>
+                <a:lnTo>
+                  <a:pt x="5105473" y="5528477"/>
                 </a:lnTo>
                 <a:cubicBezTo>
-                  <a:pt x="5314007" y="799562"/>
-                  <a:pt x="5609220" y="1562987"/>
-                  <a:pt x="5609220" y="2395363"/>
+                  <a:pt x="4874296" y="5719261"/>
+                  <a:pt x="4615179" y="5877397"/>
+                  <a:pt x="4335177" y="5995828"/>
+                </a:cubicBezTo>
+                <a:lnTo>
+                  <a:pt x="4057556" y="6097438"/>
+                </a:lnTo>
+                <a:lnTo>
+                  <a:pt x="2183499" y="6097438"/>
+                </a:lnTo>
+                <a:lnTo>
+                  <a:pt x="1905878" y="5995828"/>
+                </a:lnTo>
+                <a:cubicBezTo>
+                  <a:pt x="785873" y="5522106"/>
+                  <a:pt x="0" y="4413092"/>
+                  <a:pt x="0" y="3120527"/>
                 </a:cubicBezTo>
                 <a:cubicBezTo>
-                  <a:pt x="5609220" y="4297937"/>
-                  <a:pt x="4066879" y="5840278"/>
-                  <a:pt x="2164305" y="5840278"/>
+                  <a:pt x="0" y="1397108"/>
+                  <a:pt x="1397108" y="0"/>
+                  <a:pt x="3120528" y="0"/>
                 </a:cubicBezTo>
-                <a:cubicBezTo>
-                  <a:pt x="1450840" y="5840278"/>
-                  <a:pt x="788032" y="5623387"/>
-                  <a:pt x="238220" y="5251941"/>
-                </a:cubicBezTo>
-                <a:lnTo>
-                  <a:pt x="0" y="5073803"/>
-                </a:lnTo>
                 <a:close/>
               </a:path>
             </a:pathLst>
           </a:custGeom>
           <a:solidFill>
-            <a:schemeClr val="tx1">
-              <a:alpha val="20000"/>
-            </a:schemeClr>
+            <a:schemeClr val="tx1"/>
           </a:solidFill>
           <a:ln>
             <a:noFill/>
@@ -7763,172 +7735,6 @@
           </a:p>
         </p:txBody>
       </p:sp>
-      <p:sp>
-        <p:nvSpPr>
-          <p:cNvPr id="19" name="Freeform: Shape 18">
-            <a:extLst>
-              <a:ext uri="{FF2B5EF4-FFF2-40B4-BE49-F238E27FC236}">
-                <a16:creationId xmlns:a16="http://schemas.microsoft.com/office/drawing/2014/main" id="{F6D92C2D-1D3D-4974-918C-06579FB354A9}"/>
-              </a:ext>
-            </a:extLst>
-          </p:cNvPr>
-          <p:cNvSpPr>
-            <a:spLocks noGrp="1" noRot="1" noChangeAspect="1" noMove="1" noResize="1" noEditPoints="1" noAdjustHandles="1" noChangeArrowheads="1" noChangeShapeType="1" noTextEdit="1"/>
-          </p:cNvSpPr>
-          <p:nvPr>
-            <p:extLst>
-              <p:ext uri="{386F3935-93C4-4BCD-93E2-E3B085C9AB24}">
-                <p16:designElem xmlns:p16="http://schemas.microsoft.com/office/powerpoint/2015/main" val="1"/>
-              </p:ext>
-            </p:extLst>
-          </p:nvPr>
-        </p:nvSpPr>
-        <p:spPr>
-          <a:xfrm>
-            <a:off x="-2333" y="-2"/>
-            <a:ext cx="5441859" cy="5654940"/>
-          </a:xfrm>
-          <a:custGeom>
-            <a:avLst/>
-            <a:gdLst>
-              <a:gd name="connsiteX0" fmla="*/ 0 w 5441859"/>
-              <a:gd name="connsiteY0" fmla="*/ 0 h 5654940"/>
-              <a:gd name="connsiteX1" fmla="*/ 4400492 w 5441859"/>
-              <a:gd name="connsiteY1" fmla="*/ 0 h 5654940"/>
-              <a:gd name="connsiteX2" fmla="*/ 4484767 w 5441859"/>
-              <a:gd name="connsiteY2" fmla="*/ 76595 h 5654940"/>
-              <a:gd name="connsiteX3" fmla="*/ 5441859 w 5441859"/>
-              <a:gd name="connsiteY3" fmla="*/ 2387221 h 5654940"/>
-              <a:gd name="connsiteX4" fmla="*/ 2174140 w 5441859"/>
-              <a:gd name="connsiteY4" fmla="*/ 5654940 h 5654940"/>
-              <a:gd name="connsiteX5" fmla="*/ 156693 w 5441859"/>
-              <a:gd name="connsiteY5" fmla="*/ 4957981 h 5654940"/>
-              <a:gd name="connsiteX6" fmla="*/ 0 w 5441859"/>
-              <a:gd name="connsiteY6" fmla="*/ 4820612 h 5654940"/>
-            </a:gdLst>
-            <a:ahLst/>
-            <a:cxnLst>
-              <a:cxn ang="0">
-                <a:pos x="connsiteX0" y="connsiteY0"/>
-              </a:cxn>
-              <a:cxn ang="0">
-                <a:pos x="connsiteX1" y="connsiteY1"/>
-              </a:cxn>
-              <a:cxn ang="0">
-                <a:pos x="connsiteX2" y="connsiteY2"/>
-              </a:cxn>
-              <a:cxn ang="0">
-                <a:pos x="connsiteX3" y="connsiteY3"/>
-              </a:cxn>
-              <a:cxn ang="0">
-                <a:pos x="connsiteX4" y="connsiteY4"/>
-              </a:cxn>
-              <a:cxn ang="0">
-                <a:pos x="connsiteX5" y="connsiteY5"/>
-              </a:cxn>
-              <a:cxn ang="0">
-                <a:pos x="connsiteX6" y="connsiteY6"/>
-              </a:cxn>
-            </a:cxnLst>
-            <a:rect l="l" t="t" r="r" b="b"/>
-            <a:pathLst>
-              <a:path w="5441859" h="5654940">
-                <a:moveTo>
-                  <a:pt x="0" y="0"/>
-                </a:moveTo>
-                <a:lnTo>
-                  <a:pt x="4400492" y="0"/>
-                </a:lnTo>
-                <a:lnTo>
-                  <a:pt x="4484767" y="76595"/>
-                </a:lnTo>
-                <a:cubicBezTo>
-                  <a:pt x="5076108" y="667936"/>
-                  <a:pt x="5441859" y="1484866"/>
-                  <a:pt x="5441859" y="2387221"/>
-                </a:cubicBezTo>
-                <a:cubicBezTo>
-                  <a:pt x="5441859" y="4191932"/>
-                  <a:pt x="3978851" y="5654940"/>
-                  <a:pt x="2174140" y="5654940"/>
-                </a:cubicBezTo>
-                <a:cubicBezTo>
-                  <a:pt x="1412778" y="5654940"/>
-                  <a:pt x="712231" y="5394557"/>
-                  <a:pt x="156693" y="4957981"/>
-                </a:cubicBezTo>
-                <a:lnTo>
-                  <a:pt x="0" y="4820612"/>
-                </a:lnTo>
-                <a:close/>
-              </a:path>
-            </a:pathLst>
-          </a:custGeom>
-          <a:solidFill>
-            <a:schemeClr val="bg1">
-              <a:lumMod val="95000"/>
-              <a:lumOff val="5000"/>
-              <a:alpha val="80000"/>
-            </a:schemeClr>
-          </a:solidFill>
-          <a:ln>
-            <a:noFill/>
-          </a:ln>
-        </p:spPr>
-        <p:style>
-          <a:lnRef idx="2">
-            <a:schemeClr val="accent1">
-              <a:shade val="50000"/>
-            </a:schemeClr>
-          </a:lnRef>
-          <a:fillRef idx="1">
-            <a:schemeClr val="accent1"/>
-          </a:fillRef>
-          <a:effectRef idx="0">
-            <a:schemeClr val="accent1"/>
-          </a:effectRef>
-          <a:fontRef idx="minor">
-            <a:schemeClr val="lt1"/>
-          </a:fontRef>
-        </p:style>
-        <p:txBody>
-          <a:bodyPr rtlCol="0" anchor="ctr"/>
-          <a:lstStyle/>
-          <a:p>
-            <a:pPr marL="0" marR="0" lvl="0" indent="0" algn="ctr" defTabSz="914400" rtl="0" eaLnBrk="1" fontAlgn="auto" latinLnBrk="0" hangingPunct="1">
-              <a:lnSpc>
-                <a:spcPct val="100000"/>
-              </a:lnSpc>
-              <a:spcBef>
-                <a:spcPts val="0"/>
-              </a:spcBef>
-              <a:spcAft>
-                <a:spcPts val="0"/>
-              </a:spcAft>
-              <a:buClrTx/>
-              <a:buSzTx/>
-              <a:buFontTx/>
-              <a:buNone/>
-              <a:tabLst/>
-              <a:defRPr/>
-            </a:pPr>
-            <a:endParaRPr kumimoji="0" lang="en-US" sz="1800" b="0" i="0" u="none" strike="noStrike" kern="1200" cap="none" spc="0" normalizeH="0" baseline="0" noProof="0">
-              <a:ln>
-                <a:noFill/>
-              </a:ln>
-              <a:solidFill>
-                <a:prstClr val="white"/>
-              </a:solidFill>
-              <a:effectLst/>
-              <a:uLnTx/>
-              <a:uFillTx/>
-              <a:latin typeface="Calibri" panose="020F0502020204030204"/>
-              <a:ea typeface="+mn-ea"/>
-              <a:cs typeface="+mn-cs"/>
-            </a:endParaRPr>
-          </a:p>
-        </p:txBody>
-      </p:sp>
       <p:pic>
         <p:nvPicPr>
           <p:cNvPr id="12" name="Content Placeholder 8">
@@ -7951,8 +7757,8 @@
         </p:blipFill>
         <p:spPr>
           <a:xfrm>
-            <a:off x="6038101" y="2034003"/>
-            <a:ext cx="5510771" cy="2497068"/>
+            <a:off x="7924800" y="3035888"/>
+            <a:ext cx="3945463" cy="1787787"/>
           </a:xfrm>
           <a:prstGeom prst="rect">
             <a:avLst/>
@@ -7977,8 +7783,8 @@
         </p:nvSpPr>
         <p:spPr>
           <a:xfrm>
-            <a:off x="750242" y="632990"/>
-            <a:ext cx="4062643" cy="1043409"/>
+            <a:off x="801098" y="1396289"/>
+            <a:ext cx="5277333" cy="1325563"/>
           </a:xfrm>
         </p:spPr>
         <p:txBody>
@@ -7988,7 +7794,7 @@
           <a:lstStyle/>
           <a:p>
             <a:r>
-              <a:rPr lang="en-US" sz="3600"/>
+              <a:rPr lang="en-US"/>
               <a:t>Thank You </a:t>
             </a:r>
           </a:p>
@@ -8006,8 +7812,8 @@
         </p:nvSpPr>
         <p:spPr>
           <a:xfrm>
-            <a:off x="518474" y="1774372"/>
-            <a:ext cx="4064409" cy="2754086"/>
+            <a:off x="805543" y="2871982"/>
+            <a:ext cx="5272888" cy="3181684"/>
           </a:xfrm>
         </p:spPr>
         <p:txBody>
@@ -8016,22 +7822,12 @@
           </a:bodyPr>
           <a:lstStyle/>
           <a:p>
-            <a:r>
-              <a:rPr lang="en-US" sz="1800" dirty="0" err="1"/>
-              <a:t>Github</a:t>
-            </a:r>
-            <a:r>
-              <a:rPr lang="en-US" sz="1800" dirty="0"/>
-              <a:t> Link </a:t>
-            </a:r>
-          </a:p>
-          <a:p>
             <a:pPr marL="0" indent="0">
               <a:buNone/>
             </a:pPr>
             <a:r>
               <a:rPr lang="en-US" sz="1800" dirty="0"/>
-              <a:t>Prepared by: Vivek Khetan</a:t>
+              <a:t>Vivek Khetan</a:t>
             </a:r>
           </a:p>
           <a:p>
@@ -8042,6 +7838,27 @@
               <a:rPr lang="en-US" sz="1800" dirty="0"/>
               <a:t>Graduate Student, UT Austin</a:t>
             </a:r>
+          </a:p>
+          <a:p>
+            <a:pPr marL="0" indent="0">
+              <a:buNone/>
+            </a:pPr>
+            <a:r>
+              <a:rPr lang="en-US" sz="1800" dirty="0">
+                <a:hlinkClick r:id="rId3"/>
+              </a:rPr>
+              <a:t>Github Link </a:t>
+            </a:r>
+            <a:r>
+              <a:rPr lang="en-US" sz="1800" dirty="0"/>
+              <a:t> ( for code)</a:t>
+            </a:r>
+          </a:p>
+          <a:p>
+            <a:pPr marL="0" indent="0">
+              <a:buNone/>
+            </a:pPr>
+            <a:endParaRPr lang="en-US" sz="1800" dirty="0"/>
           </a:p>
         </p:txBody>
       </p:sp>
@@ -8053,7 +7870,7 @@
     </p:extLst>
   </p:cSld>
   <p:clrMapOvr>
-    <a:overrideClrMapping bg1="dk1" tx1="lt1" bg2="dk2" tx2="lt2" accent1="accent1" accent2="accent2" accent3="accent3" accent4="accent4" accent5="accent5" accent6="accent6" hlink="hlink" folHlink="folHlink"/>
+    <a:masterClrMapping/>
   </p:clrMapOvr>
 </p:sld>
 </file>
